--- a/Latex/Figures/Chapter2/fig_line_setup.pptx
+++ b/Latex/Figures/Chapter2/fig_line_setup.pptx
@@ -243,7 +243,7 @@
           <a:p>
             <a:fld id="{A8F48D5B-9275-4A08-B238-9C7CECCD580A}" type="datetimeFigureOut">
               <a:rPr lang="en-US" smtClean="0"/>
-              <a:t>6/18/2018</a:t>
+              <a:t>7/5/2019</a:t>
             </a:fld>
             <a:endParaRPr lang="en-US"/>
           </a:p>
@@ -413,7 +413,7 @@
           <a:p>
             <a:fld id="{A8F48D5B-9275-4A08-B238-9C7CECCD580A}" type="datetimeFigureOut">
               <a:rPr lang="en-US" smtClean="0"/>
-              <a:t>6/18/2018</a:t>
+              <a:t>7/5/2019</a:t>
             </a:fld>
             <a:endParaRPr lang="en-US"/>
           </a:p>
@@ -593,7 +593,7 @@
           <a:p>
             <a:fld id="{A8F48D5B-9275-4A08-B238-9C7CECCD580A}" type="datetimeFigureOut">
               <a:rPr lang="en-US" smtClean="0"/>
-              <a:t>6/18/2018</a:t>
+              <a:t>7/5/2019</a:t>
             </a:fld>
             <a:endParaRPr lang="en-US"/>
           </a:p>
@@ -763,7 +763,7 @@
           <a:p>
             <a:fld id="{A8F48D5B-9275-4A08-B238-9C7CECCD580A}" type="datetimeFigureOut">
               <a:rPr lang="en-US" smtClean="0"/>
-              <a:t>6/18/2018</a:t>
+              <a:t>7/5/2019</a:t>
             </a:fld>
             <a:endParaRPr lang="en-US"/>
           </a:p>
@@ -1007,7 +1007,7 @@
           <a:p>
             <a:fld id="{A8F48D5B-9275-4A08-B238-9C7CECCD580A}" type="datetimeFigureOut">
               <a:rPr lang="en-US" smtClean="0"/>
-              <a:t>6/18/2018</a:t>
+              <a:t>7/5/2019</a:t>
             </a:fld>
             <a:endParaRPr lang="en-US"/>
           </a:p>
@@ -1239,7 +1239,7 @@
           <a:p>
             <a:fld id="{A8F48D5B-9275-4A08-B238-9C7CECCD580A}" type="datetimeFigureOut">
               <a:rPr lang="en-US" smtClean="0"/>
-              <a:t>6/18/2018</a:t>
+              <a:t>7/5/2019</a:t>
             </a:fld>
             <a:endParaRPr lang="en-US"/>
           </a:p>
@@ -1606,7 +1606,7 @@
           <a:p>
             <a:fld id="{A8F48D5B-9275-4A08-B238-9C7CECCD580A}" type="datetimeFigureOut">
               <a:rPr lang="en-US" smtClean="0"/>
-              <a:t>6/18/2018</a:t>
+              <a:t>7/5/2019</a:t>
             </a:fld>
             <a:endParaRPr lang="en-US"/>
           </a:p>
@@ -1724,7 +1724,7 @@
           <a:p>
             <a:fld id="{A8F48D5B-9275-4A08-B238-9C7CECCD580A}" type="datetimeFigureOut">
               <a:rPr lang="en-US" smtClean="0"/>
-              <a:t>6/18/2018</a:t>
+              <a:t>7/5/2019</a:t>
             </a:fld>
             <a:endParaRPr lang="en-US"/>
           </a:p>
@@ -1819,7 +1819,7 @@
           <a:p>
             <a:fld id="{A8F48D5B-9275-4A08-B238-9C7CECCD580A}" type="datetimeFigureOut">
               <a:rPr lang="en-US" smtClean="0"/>
-              <a:t>6/18/2018</a:t>
+              <a:t>7/5/2019</a:t>
             </a:fld>
             <a:endParaRPr lang="en-US"/>
           </a:p>
@@ -2096,7 +2096,7 @@
           <a:p>
             <a:fld id="{A8F48D5B-9275-4A08-B238-9C7CECCD580A}" type="datetimeFigureOut">
               <a:rPr lang="en-US" smtClean="0"/>
-              <a:t>6/18/2018</a:t>
+              <a:t>7/5/2019</a:t>
             </a:fld>
             <a:endParaRPr lang="en-US"/>
           </a:p>
@@ -2353,7 +2353,7 @@
           <a:p>
             <a:fld id="{A8F48D5B-9275-4A08-B238-9C7CECCD580A}" type="datetimeFigureOut">
               <a:rPr lang="en-US" smtClean="0"/>
-              <a:t>6/18/2018</a:t>
+              <a:t>7/5/2019</a:t>
             </a:fld>
             <a:endParaRPr lang="en-US"/>
           </a:p>
@@ -2566,7 +2566,7 @@
           <a:p>
             <a:fld id="{A8F48D5B-9275-4A08-B238-9C7CECCD580A}" type="datetimeFigureOut">
               <a:rPr lang="en-US" smtClean="0"/>
-              <a:t>6/18/2018</a:t>
+              <a:t>7/5/2019</a:t>
             </a:fld>
             <a:endParaRPr lang="en-US"/>
           </a:p>
@@ -2979,8 +2979,8 @@
         </p:nvSpPr>
         <p:spPr>
           <a:xfrm>
-            <a:off x="2645392" y="-84384"/>
-            <a:ext cx="287258" cy="369332"/>
+            <a:off x="2632567" y="-84384"/>
+            <a:ext cx="300083" cy="369332"/>
           </a:xfrm>
           <a:prstGeom prst="rect">
             <a:avLst/>
@@ -2996,16 +2996,16 @@
             <a:pPr algn="r"/>
             <a:r>
               <a:rPr lang="en-US" i="1" dirty="0" smtClean="0">
-                <a:latin typeface="Times New Roman" panose="02020603050405020304" pitchFamily="18" charset="0"/>
-                <a:ea typeface="Roboto" panose="02000000000000000000" pitchFamily="2" charset="0"/>
-                <a:cs typeface="Times New Roman" panose="02020603050405020304" pitchFamily="18" charset="0"/>
+                <a:latin typeface="Linux Libertine" panose="02000503000000000000" pitchFamily="2" charset="0"/>
+                <a:ea typeface="Linux Libertine" panose="02000503000000000000" pitchFamily="2" charset="0"/>
+                <a:cs typeface="Linux Libertine" panose="02000503000000000000" pitchFamily="2" charset="0"/>
               </a:rPr>
               <a:t>y</a:t>
             </a:r>
             <a:endParaRPr lang="en-US" sz="4000" i="1" dirty="0">
-              <a:latin typeface="Times New Roman" panose="02020603050405020304" pitchFamily="18" charset="0"/>
-              <a:ea typeface="Roboto" panose="02000000000000000000" pitchFamily="2" charset="0"/>
-              <a:cs typeface="Times New Roman" panose="02020603050405020304" pitchFamily="18" charset="0"/>
+              <a:latin typeface="Linux Libertine" panose="02000503000000000000" pitchFamily="2" charset="0"/>
+              <a:ea typeface="Linux Libertine" panose="02000503000000000000" pitchFamily="2" charset="0"/>
+              <a:cs typeface="Linux Libertine" panose="02000503000000000000" pitchFamily="2" charset="0"/>
             </a:endParaRPr>
           </a:p>
         </p:txBody>
@@ -3018,8 +3018,8 @@
         </p:nvSpPr>
         <p:spPr>
           <a:xfrm>
-            <a:off x="5110494" y="1705966"/>
-            <a:ext cx="287258" cy="369332"/>
+            <a:off x="5104081" y="1705966"/>
+            <a:ext cx="293671" cy="369332"/>
           </a:xfrm>
           <a:prstGeom prst="rect">
             <a:avLst/>
@@ -3035,16 +3035,16 @@
             <a:pPr algn="r"/>
             <a:r>
               <a:rPr lang="en-US" i="1" dirty="0" smtClean="0">
-                <a:latin typeface="Times New Roman" panose="02020603050405020304" pitchFamily="18" charset="0"/>
-                <a:ea typeface="Roboto" panose="02000000000000000000" pitchFamily="2" charset="0"/>
-                <a:cs typeface="Times New Roman" panose="02020603050405020304" pitchFamily="18" charset="0"/>
+                <a:latin typeface="Linux Libertine" panose="02000503000000000000" pitchFamily="2" charset="0"/>
+                <a:ea typeface="Linux Libertine" panose="02000503000000000000" pitchFamily="2" charset="0"/>
+                <a:cs typeface="Linux Libertine" panose="02000503000000000000" pitchFamily="2" charset="0"/>
               </a:rPr>
               <a:t>x</a:t>
             </a:r>
             <a:endParaRPr lang="en-US" sz="4000" i="1" dirty="0">
-              <a:latin typeface="Times New Roman" panose="02020603050405020304" pitchFamily="18" charset="0"/>
-              <a:ea typeface="Roboto" panose="02000000000000000000" pitchFamily="2" charset="0"/>
-              <a:cs typeface="Times New Roman" panose="02020603050405020304" pitchFamily="18" charset="0"/>
+              <a:latin typeface="Linux Libertine" panose="02000503000000000000" pitchFamily="2" charset="0"/>
+              <a:ea typeface="Linux Libertine" panose="02000503000000000000" pitchFamily="2" charset="0"/>
+              <a:cs typeface="Linux Libertine" panose="02000503000000000000" pitchFamily="2" charset="0"/>
             </a:endParaRPr>
           </a:p>
         </p:txBody>
@@ -3188,16 +3188,16 @@
             <a:pPr algn="r"/>
             <a:r>
               <a:rPr lang="en-US" i="1" dirty="0" smtClean="0">
-                <a:latin typeface="Times New Roman" panose="02020603050405020304" pitchFamily="18" charset="0"/>
-                <a:ea typeface="Roboto" panose="02000000000000000000" pitchFamily="2" charset="0"/>
-                <a:cs typeface="Times New Roman" panose="02020603050405020304" pitchFamily="18" charset="0"/>
+                <a:latin typeface="Linux Libertine" panose="02000503000000000000" pitchFamily="2" charset="0"/>
+                <a:ea typeface="Linux Libertine" panose="02000503000000000000" pitchFamily="2" charset="0"/>
+                <a:cs typeface="Linux Libertine" panose="02000503000000000000" pitchFamily="2" charset="0"/>
               </a:rPr>
               <a:t>a</a:t>
             </a:r>
             <a:endParaRPr lang="en-US" sz="4000" i="1" dirty="0">
-              <a:latin typeface="Times New Roman" panose="02020603050405020304" pitchFamily="18" charset="0"/>
-              <a:ea typeface="Roboto" panose="02000000000000000000" pitchFamily="2" charset="0"/>
-              <a:cs typeface="Times New Roman" panose="02020603050405020304" pitchFamily="18" charset="0"/>
+              <a:latin typeface="Linux Libertine" panose="02000503000000000000" pitchFamily="2" charset="0"/>
+              <a:ea typeface="Linux Libertine" panose="02000503000000000000" pitchFamily="2" charset="0"/>
+              <a:cs typeface="Linux Libertine" panose="02000503000000000000" pitchFamily="2" charset="0"/>
             </a:endParaRPr>
           </a:p>
         </p:txBody>
@@ -3227,16 +3227,16 @@
             <a:pPr algn="r"/>
             <a:r>
               <a:rPr lang="el-GR" i="1" dirty="0" smtClean="0">
-                <a:latin typeface="Times New Roman" panose="02020603050405020304" pitchFamily="18" charset="0"/>
-                <a:ea typeface="Roboto" panose="02000000000000000000" pitchFamily="2" charset="0"/>
-                <a:cs typeface="Times New Roman" panose="02020603050405020304" pitchFamily="18" charset="0"/>
+                <a:latin typeface="Linux Libertine" panose="02000503000000000000" pitchFamily="2" charset="0"/>
+                <a:ea typeface="Linux Libertine" panose="02000503000000000000" pitchFamily="2" charset="0"/>
+                <a:cs typeface="Linux Libertine" panose="02000503000000000000" pitchFamily="2" charset="0"/>
               </a:rPr>
               <a:t>Ω</a:t>
             </a:r>
             <a:endParaRPr lang="en-US" sz="4000" i="1" dirty="0">
-              <a:latin typeface="Times New Roman" panose="02020603050405020304" pitchFamily="18" charset="0"/>
-              <a:ea typeface="Roboto" panose="02000000000000000000" pitchFamily="2" charset="0"/>
-              <a:cs typeface="Times New Roman" panose="02020603050405020304" pitchFamily="18" charset="0"/>
+              <a:latin typeface="Linux Libertine" panose="02000503000000000000" pitchFamily="2" charset="0"/>
+              <a:ea typeface="Linux Libertine" panose="02000503000000000000" pitchFamily="2" charset="0"/>
+              <a:cs typeface="Linux Libertine" panose="02000503000000000000" pitchFamily="2" charset="0"/>
             </a:endParaRPr>
           </a:p>
         </p:txBody>
